--- a/week_08/CS_08.pptx
+++ b/week_08/CS_08.pptx
@@ -7565,153 +7565,36 @@
           </a:p>
         </p:txBody>
       </p:sp>
-      <p:sp>
-        <p:nvSpPr>
-          <p:cNvPr id="5" name="内容占位符 4">
+      <p:pic>
+        <p:nvPicPr>
+          <p:cNvPr id="4" name="图片 3">
             <a:extLst>
               <a:ext uri="{FF2B5EF4-FFF2-40B4-BE49-F238E27FC236}">
-                <a16:creationId xmlns:a16="http://schemas.microsoft.com/office/drawing/2014/main" id="{06A459CB-1222-E020-ED28-422D889D7A3C}"/>
+                <a16:creationId xmlns:a16="http://schemas.microsoft.com/office/drawing/2014/main" id="{46909C26-A5BB-4481-65D2-D50D87E34819}"/>
               </a:ext>
             </a:extLst>
           </p:cNvPr>
-          <p:cNvSpPr>
-            <a:spLocks noGrp="1"/>
-          </p:cNvSpPr>
-          <p:nvPr>
-            <p:ph idx="1"/>
-          </p:nvPr>
-        </p:nvSpPr>
-        <p:spPr/>
-        <p:txBody>
-          <a:bodyPr/>
-          <a:lstStyle/>
-          <a:p>
-            <a:r>
-              <a:rPr lang="en-US" altLang="zh-CN" dirty="0"/>
-              <a:t>library(</a:t>
-            </a:r>
-            <a:r>
-              <a:rPr lang="en-US" altLang="zh-CN" dirty="0" err="1"/>
-              <a:t>tidyverse</a:t>
-            </a:r>
-            <a:r>
-              <a:rPr lang="en-US" altLang="zh-CN" dirty="0"/>
-              <a:t>)</a:t>
-            </a:r>
-          </a:p>
-          <a:p>
-            <a:r>
-              <a:rPr lang="en-US" altLang="zh-CN" dirty="0"/>
-              <a:t>library(ggplot2)</a:t>
-            </a:r>
-          </a:p>
-          <a:p>
-            <a:r>
-              <a:rPr lang="en-US" altLang="zh-CN" dirty="0"/>
-              <a:t>library(</a:t>
-            </a:r>
-            <a:r>
-              <a:rPr lang="en-US" altLang="zh-CN" dirty="0" err="1"/>
-              <a:t>dplyr</a:t>
-            </a:r>
-            <a:r>
-              <a:rPr lang="en-US" altLang="zh-CN" dirty="0"/>
-              <a:t>)</a:t>
-            </a:r>
-          </a:p>
-          <a:p>
-            <a:r>
-              <a:rPr lang="en-US" altLang="zh-CN" dirty="0" err="1"/>
-              <a:t>url</a:t>
-            </a:r>
-            <a:r>
-              <a:rPr lang="en-US" altLang="zh-CN" dirty="0"/>
-              <a:t> = "https://gml.noaa.gov/</a:t>
-            </a:r>
-            <a:r>
-              <a:rPr lang="en-US" altLang="zh-CN" dirty="0" err="1"/>
-              <a:t>webdata</a:t>
-            </a:r>
-            <a:r>
-              <a:rPr lang="en-US" altLang="zh-CN" dirty="0"/>
-              <a:t>/</a:t>
-            </a:r>
-            <a:r>
-              <a:rPr lang="en-US" altLang="zh-CN" dirty="0" err="1"/>
-              <a:t>ccgg</a:t>
-            </a:r>
-            <a:r>
-              <a:rPr lang="en-US" altLang="zh-CN" dirty="0"/>
-              <a:t>/trends/ch4/ch4_annmean_gl.txt"</a:t>
-            </a:r>
-          </a:p>
-          <a:p>
-            <a:r>
-              <a:rPr lang="en-US" altLang="zh-CN" dirty="0" err="1"/>
-              <a:t>df</a:t>
-            </a:r>
-            <a:r>
-              <a:rPr lang="en-US" altLang="zh-CN" dirty="0"/>
-              <a:t> = </a:t>
-            </a:r>
-            <a:r>
-              <a:rPr lang="en-US" altLang="zh-CN" dirty="0" err="1"/>
-              <a:t>read.table</a:t>
-            </a:r>
-            <a:r>
-              <a:rPr lang="en-US" altLang="zh-CN" dirty="0"/>
-              <a:t>(</a:t>
-            </a:r>
-            <a:r>
-              <a:rPr lang="en-US" altLang="zh-CN" dirty="0" err="1"/>
-              <a:t>url</a:t>
-            </a:r>
-            <a:r>
-              <a:rPr lang="en-US" altLang="zh-CN" dirty="0"/>
-              <a:t>, </a:t>
-            </a:r>
-            <a:r>
-              <a:rPr lang="en-US" altLang="zh-CN" dirty="0" err="1"/>
-              <a:t>col.names</a:t>
-            </a:r>
-            <a:r>
-              <a:rPr lang="en-US" altLang="zh-CN" dirty="0"/>
-              <a:t> = c("year", "mean", "</a:t>
-            </a:r>
-            <a:r>
-              <a:rPr lang="en-US" altLang="zh-CN" dirty="0" err="1"/>
-              <a:t>unc</a:t>
-            </a:r>
-            <a:r>
-              <a:rPr lang="en-US" altLang="zh-CN" dirty="0"/>
-              <a:t>"))</a:t>
-            </a:r>
-          </a:p>
-          <a:p>
-            <a:r>
-              <a:rPr lang="en-US" altLang="zh-CN" dirty="0"/>
-              <a:t># </a:t>
-            </a:r>
-            <a:r>
-              <a:rPr lang="en-US" altLang="zh-CN" dirty="0" err="1"/>
-              <a:t>rmarkdown</a:t>
-            </a:r>
-            <a:r>
-              <a:rPr lang="en-US" altLang="zh-CN" dirty="0"/>
-              <a:t>::render("Y:/GitHubTB/case_studies-yzhao72/week_08/case_study_08.Rmd", </a:t>
-            </a:r>
-            <a:r>
-              <a:rPr lang="en-US" altLang="zh-CN" dirty="0" err="1"/>
-              <a:t>output_format</a:t>
-            </a:r>
-            <a:r>
-              <a:rPr lang="en-US" altLang="zh-CN" dirty="0"/>
-              <a:t> = "all")</a:t>
-            </a:r>
-            <a:endParaRPr lang="zh-CN" altLang="en-US" dirty="0"/>
-          </a:p>
-        </p:txBody>
-      </p:sp>
+          <p:cNvPicPr>
+            <a:picLocks noChangeAspect="1"/>
+          </p:cNvPicPr>
+          <p:nvPr/>
+        </p:nvPicPr>
+        <p:blipFill>
+          <a:blip r:embed="rId4"/>
+          <a:stretch>
+            <a:fillRect/>
+          </a:stretch>
+        </p:blipFill>
+        <p:spPr>
+          <a:xfrm>
+            <a:off x="5333965" y="0"/>
+            <a:ext cx="6858035" cy="6410227"/>
+          </a:xfrm>
+          <a:prstGeom prst="rect">
+            <a:avLst/>
+          </a:prstGeom>
+        </p:spPr>
+      </p:pic>
     </p:spTree>
     <p:extLst>
       <p:ext uri="{BB962C8B-B14F-4D97-AF65-F5344CB8AC3E}">
@@ -11318,21 +11201,21 @@
 </file>
 
 <file path=customXml/item2.xml><?xml version="1.0" encoding="utf-8"?>
+<p:properties xmlns:p="http://schemas.microsoft.com/office/2006/metadata/properties" xmlns:xsi="http://www.w3.org/2001/XMLSchema-instance" xmlns:pc="http://schemas.microsoft.com/office/infopath/2007/PartnerControls">
+  <documentManagement>
+    <Status xmlns="71af3243-3dd4-4a8d-8c0d-dd76da1f02a5">Not started</Status>
+    <MediaServiceKeyPoints xmlns="71af3243-3dd4-4a8d-8c0d-dd76da1f02a5" xsi:nil="true"/>
+  </documentManagement>
+</p:properties>
+</file>
+
+<file path=customXml/item3.xml><?xml version="1.0" encoding="utf-8"?>
 <?mso-contentType ?>
 <FormTemplates xmlns="http://schemas.microsoft.com/sharepoint/v3/contenttype/forms">
   <Display>DocumentLibraryForm</Display>
   <Edit>DocumentLibraryForm</Edit>
   <New>DocumentLibraryForm</New>
 </FormTemplates>
-</file>
-
-<file path=customXml/item3.xml><?xml version="1.0" encoding="utf-8"?>
-<p:properties xmlns:p="http://schemas.microsoft.com/office/2006/metadata/properties" xmlns:xsi="http://www.w3.org/2001/XMLSchema-instance" xmlns:pc="http://schemas.microsoft.com/office/infopath/2007/PartnerControls">
-  <documentManagement>
-    <Status xmlns="71af3243-3dd4-4a8d-8c0d-dd76da1f02a5">Not started</Status>
-    <MediaServiceKeyPoints xmlns="71af3243-3dd4-4a8d-8c0d-dd76da1f02a5" xsi:nil="true"/>
-  </documentManagement>
-</p:properties>
 </file>
 
 <file path=customXml/itemProps1.xml><?xml version="1.0" encoding="utf-8"?>
@@ -11355,14 +11238,6 @@
 </file>
 
 <file path=customXml/itemProps2.xml><?xml version="1.0" encoding="utf-8"?>
-<ds:datastoreItem xmlns:ds="http://schemas.openxmlformats.org/officeDocument/2006/customXml" ds:itemID="{AA3F7EDC-E5B4-4BBC-9D2A-CBE6D46C37AD}">
-  <ds:schemaRefs>
-    <ds:schemaRef ds:uri="http://schemas.microsoft.com/sharepoint/v3/contenttype/forms"/>
-  </ds:schemaRefs>
-</ds:datastoreItem>
-</file>
-
-<file path=customXml/itemProps3.xml><?xml version="1.0" encoding="utf-8"?>
 <ds:datastoreItem xmlns:ds="http://schemas.openxmlformats.org/officeDocument/2006/customXml" ds:itemID="{A03EEFF0-FB57-4CB4-8BFC-DF397689E2ED}">
   <ds:schemaRefs>
     <ds:schemaRef ds:uri="http://schemas.microsoft.com/office/2006/metadata/properties"/>
@@ -11370,4 +11245,12 @@
     <ds:schemaRef ds:uri="71af3243-3dd4-4a8d-8c0d-dd76da1f02a5"/>
   </ds:schemaRefs>
 </ds:datastoreItem>
+</file>
+
+<file path=customXml/itemProps3.xml><?xml version="1.0" encoding="utf-8"?>
+<ds:datastoreItem xmlns:ds="http://schemas.openxmlformats.org/officeDocument/2006/customXml" ds:itemID="{AA3F7EDC-E5B4-4BBC-9D2A-CBE6D46C37AD}">
+  <ds:schemaRefs>
+    <ds:schemaRef ds:uri="http://schemas.microsoft.com/sharepoint/v3/contenttype/forms"/>
+  </ds:schemaRefs>
+</ds:datastoreItem>
 </file>